--- a/files/slides/lecture_8.pptx
+++ b/files/slides/lecture_8.pptx
@@ -7362,7 +7362,9 @@
   <dgm:styleData>
     <dgm:dataModel>
       <dgm:ptLst>
-        <dgm:pt modelId="0" type="doc"/>
+        <dgm:pt modelId="0" type="doc">
+          <dgm:prSet qsTypeId="urn:microsoft.com/office/officeart/2005/8/quickstyle/simple5"/>
+        </dgm:pt>
         <dgm:pt modelId="1"/>
         <dgm:pt modelId="2"/>
       </dgm:ptLst>
@@ -7529,7 +7531,9 @@
   <dgm:styleData>
     <dgm:dataModel>
       <dgm:ptLst>
-        <dgm:pt modelId="0" type="doc"/>
+        <dgm:pt modelId="0" type="doc">
+          <dgm:prSet qsTypeId="urn:microsoft.com/office/officeart/2005/8/quickstyle/simple5"/>
+        </dgm:pt>
         <dgm:pt modelId="1"/>
         <dgm:pt modelId="2"/>
       </dgm:ptLst>
@@ -18642,7 +18646,7 @@
         </p:nvGraphicFramePr>
         <p:xfrm>
           <a:off x="1154811" y="2384859"/>
-          <a:ext cx="11987752" cy="4248415"/>
+          <a:ext cx="11987530" cy="3980180"/>
         </p:xfrm>
         <a:graphic>
           <a:graphicData uri="http://schemas.openxmlformats.org/drawingml/2006/table">
@@ -18654,13 +18658,13 @@
                 <a:gridCol w="2645945"/>
                 <a:gridCol w="3347930"/>
               </a:tblGrid>
-              <a:tr h="790401">
+              <a:tr h="521970">
                 <a:tc>
                   <a:txBody>
                     <a:bodyPr/>
                     <a:lstStyle/>
                     <a:p>
-                      <a:pPr marL="0" marR="0" lvl="0" indent="0" algn="l" defTabSz="914400" rtl="0" eaLnBrk="1" fontAlgn="base" latinLnBrk="0" hangingPunct="1">
+                      <a:pPr marL="0" marR="0" lvl="0" indent="0" algn="ctr" defTabSz="914400" rtl="0" eaLnBrk="1" fontAlgn="base" latinLnBrk="0" hangingPunct="1">
                         <a:lnSpc>
                           <a:spcPct val="100000"/>
                         </a:lnSpc>
@@ -18755,7 +18759,7 @@
                     <a:bodyPr/>
                     <a:lstStyle/>
                     <a:p>
-                      <a:pPr marL="0" marR="0" lvl="0" indent="0" algn="l" defTabSz="914400" rtl="0" eaLnBrk="1" fontAlgn="base" latinLnBrk="0" hangingPunct="1">
+                      <a:pPr marL="0" marR="0" lvl="0" indent="0" algn="ctr" defTabSz="914400" rtl="0" eaLnBrk="1" fontAlgn="base" latinLnBrk="0" hangingPunct="1">
                         <a:lnSpc>
                           <a:spcPct val="100000"/>
                         </a:lnSpc>
@@ -18850,7 +18854,7 @@
                     <a:bodyPr/>
                     <a:lstStyle/>
                     <a:p>
-                      <a:pPr marL="0" marR="0" lvl="0" indent="0" algn="l" defTabSz="914400" rtl="0" eaLnBrk="1" fontAlgn="base" latinLnBrk="0" hangingPunct="1">
+                      <a:pPr marL="0" marR="0" lvl="0" indent="0" algn="ctr" defTabSz="914400" rtl="0" eaLnBrk="1" fontAlgn="base" latinLnBrk="0" hangingPunct="1">
                         <a:lnSpc>
                           <a:spcPct val="100000"/>
                         </a:lnSpc>
@@ -18945,7 +18949,7 @@
                     <a:bodyPr/>
                     <a:lstStyle/>
                     <a:p>
-                      <a:pPr marL="0" marR="0" lvl="0" indent="0" algn="l" defTabSz="914400" rtl="0" eaLnBrk="1" fontAlgn="base" latinLnBrk="0" hangingPunct="1">
+                      <a:pPr marL="0" marR="0" lvl="0" indent="0" algn="ctr" defTabSz="914400" rtl="0" eaLnBrk="1" fontAlgn="base" latinLnBrk="0" hangingPunct="1">
                         <a:lnSpc>
                           <a:spcPct val="100000"/>
                         </a:lnSpc>

--- a/files/slides/lecture_8.pptx
+++ b/files/slides/lecture_8.pptx
@@ -5616,7 +5616,7 @@
         </a:p>
       </dgm:t>
     </dgm:pt>
-    <dgm:pt modelId="{498BE75A-3557-40EE-8E63-8F8A7C3071D2}" cxnId="{1014AC77-9870-41DB-BC67-B47F72D3A567}" type="parTrans">
+    <dgm:pt modelId="{498BE75A-3557-40EE-8E63-8F8A7C3071D2}" cxnId="{84B88A36-DA34-453B-8DB1-F1412C83CD42}" type="parTrans">
       <dgm:prSet/>
       <dgm:spPr/>
       <dgm:t>
@@ -5627,7 +5627,7 @@
         </a:p>
       </dgm:t>
     </dgm:pt>
-    <dgm:pt modelId="{6F963B80-765F-4432-888E-DF72680A8B30}" cxnId="{1014AC77-9870-41DB-BC67-B47F72D3A567}" type="sibTrans">
+    <dgm:pt modelId="{6F963B80-765F-4432-888E-DF72680A8B30}" cxnId="{84B88A36-DA34-453B-8DB1-F1412C83CD42}" type="sibTrans">
       <dgm:prSet/>
       <dgm:spPr/>
       <dgm:t>
@@ -5639,13 +5639,22 @@
       </dgm:t>
     </dgm:pt>
     <dgm:pt modelId="{6A495BE0-B763-4F65-A57E-7EE2F9F3F273}">
-      <dgm:prSet/>
+      <dgm:prSet phldr="false" custT="false"/>
       <dgm:spPr/>
       <dgm:t>
-        <a:bodyPr/>
-        <a:lstStyle/>
+        <a:bodyPr vert="horz" wrap="square"/>
         <a:p>
-          <a:pPr rtl="0"/>
+          <a:pPr rtl="0">
+            <a:lnSpc>
+              <a:spcPct val="100000"/>
+            </a:lnSpc>
+            <a:spcBef>
+              <a:spcPct val="0"/>
+            </a:spcBef>
+            <a:spcAft>
+              <a:spcPct val="35000"/>
+            </a:spcAft>
+          </a:pPr>
           <a:r>
             <a:rPr lang="zh-CN" smtClean="0"/>
             <a:t>在使用自定义异常类型时，经常需要在捕获异常的同时获取该异常的实例（例如，上例中的</a:t>
@@ -5656,13 +5665,17 @@
           </a:r>
           <a:r>
             <a:rPr lang="zh-CN" smtClean="0"/>
-            <a:t>），以获取存储在异常实例中的数据，这只需要在异常类型后以逗号分隔并放置一个实例名即可。</a:t>
+            <a:t>），以获取存储在异常实例中的数据，这只需要在异常类型后放置一个实例名即可。</a:t>
+          </a:r>
+          <a:r>
+            <a:rPr lang="zh-CN"/>
+            <a:t/>
           </a:r>
           <a:endParaRPr lang="zh-CN"/>
         </a:p>
       </dgm:t>
     </dgm:pt>
-    <dgm:pt modelId="{2E712E7C-BE64-4CDE-8FEE-8365680C611D}" cxnId="{39748BDC-DA73-47F3-995C-A7594D2F8BC7}" type="parTrans">
+    <dgm:pt modelId="{2E712E7C-BE64-4CDE-8FEE-8365680C611D}" cxnId="{23359BC4-056C-49F7-A7A1-7D87CCE8B521}" type="parTrans">
       <dgm:prSet/>
       <dgm:spPr/>
       <dgm:t>
@@ -5673,7 +5686,7 @@
         </a:p>
       </dgm:t>
     </dgm:pt>
-    <dgm:pt modelId="{E7C079DD-0E86-406E-85E0-CCBEA72F98A8}" cxnId="{39748BDC-DA73-47F3-995C-A7594D2F8BC7}" type="sibTrans">
+    <dgm:pt modelId="{E7C079DD-0E86-406E-85E0-CCBEA72F98A8}" cxnId="{23359BC4-056C-49F7-A7A1-7D87CCE8B521}" type="sibTrans">
       <dgm:prSet/>
       <dgm:spPr/>
       <dgm:t>
@@ -5717,14 +5730,14 @@
     </dgm:pt>
   </dgm:ptLst>
   <dgm:cxnLst>
-    <dgm:cxn modelId="{BBE14806-2265-4B94-B609-58A02A75851E}" type="presOf" srcId="{69D720BE-13DB-4ACE-AC36-F596777DE0CD}" destId="{C3706F55-4F82-487B-8C8A-1DDA1586855B}" srcOrd="0" destOrd="0" presId="urn:microsoft.com/office/officeart/2005/8/layout/vList2"/>
-    <dgm:cxn modelId="{39748BDC-DA73-47F3-995C-A7594D2F8BC7}" srcId="{EF9B1859-9E14-4015-AC69-AB05D2469892}" destId="{6A495BE0-B763-4F65-A57E-7EE2F9F3F273}" srcOrd="1" destOrd="0" parTransId="{2E712E7C-BE64-4CDE-8FEE-8365680C611D}" sibTransId="{E7C079DD-0E86-406E-85E0-CCBEA72F98A8}"/>
-    <dgm:cxn modelId="{1014AC77-9870-41DB-BC67-B47F72D3A567}" srcId="{EF9B1859-9E14-4015-AC69-AB05D2469892}" destId="{69D720BE-13DB-4ACE-AC36-F596777DE0CD}" srcOrd="0" destOrd="0" parTransId="{498BE75A-3557-40EE-8E63-8F8A7C3071D2}" sibTransId="{6F963B80-765F-4432-888E-DF72680A8B30}"/>
-    <dgm:cxn modelId="{591894EF-CE72-4F3A-8507-5FA01B4E1ADA}" type="presOf" srcId="{EF9B1859-9E14-4015-AC69-AB05D2469892}" destId="{025F6FB7-1A2A-4B96-8033-C2372967ABBA}" srcOrd="0" destOrd="0" presId="urn:microsoft.com/office/officeart/2005/8/layout/vList2"/>
-    <dgm:cxn modelId="{A24F9286-4C1B-4D07-9B67-4EEFE12669DB}" type="presOf" srcId="{6A495BE0-B763-4F65-A57E-7EE2F9F3F273}" destId="{D54329CC-2893-4B61-AE96-D17C0AD0848C}" srcOrd="0" destOrd="0" presId="urn:microsoft.com/office/officeart/2005/8/layout/vList2"/>
-    <dgm:cxn modelId="{E47A57EC-F119-42DD-B042-29D54425AC1C}" type="presParOf" srcId="{025F6FB7-1A2A-4B96-8033-C2372967ABBA}" destId="{C3706F55-4F82-487B-8C8A-1DDA1586855B}" srcOrd="0" destOrd="0" presId="urn:microsoft.com/office/officeart/2005/8/layout/vList2"/>
-    <dgm:cxn modelId="{11BE09D0-8483-4033-9702-8D633E02E552}" type="presParOf" srcId="{025F6FB7-1A2A-4B96-8033-C2372967ABBA}" destId="{F6EA93CF-339A-422D-95BF-62C12D3FED5D}" srcOrd="1" destOrd="0" presId="urn:microsoft.com/office/officeart/2005/8/layout/vList2"/>
-    <dgm:cxn modelId="{1E754F56-95E9-4DDB-A3DB-1CCEEA2E2B36}" type="presParOf" srcId="{025F6FB7-1A2A-4B96-8033-C2372967ABBA}" destId="{D54329CC-2893-4B61-AE96-D17C0AD0848C}" srcOrd="2" destOrd="0" presId="urn:microsoft.com/office/officeart/2005/8/layout/vList2"/>
+    <dgm:cxn modelId="{84B88A36-DA34-453B-8DB1-F1412C83CD42}" srcId="{EF9B1859-9E14-4015-AC69-AB05D2469892}" destId="{69D720BE-13DB-4ACE-AC36-F596777DE0CD}" srcOrd="0" destOrd="0" parTransId="{498BE75A-3557-40EE-8E63-8F8A7C3071D2}" sibTransId="{6F963B80-765F-4432-888E-DF72680A8B30}"/>
+    <dgm:cxn modelId="{23359BC4-056C-49F7-A7A1-7D87CCE8B521}" srcId="{EF9B1859-9E14-4015-AC69-AB05D2469892}" destId="{6A495BE0-B763-4F65-A57E-7EE2F9F3F273}" srcOrd="1" destOrd="0" parTransId="{2E712E7C-BE64-4CDE-8FEE-8365680C611D}" sibTransId="{E7C079DD-0E86-406E-85E0-CCBEA72F98A8}"/>
+    <dgm:cxn modelId="{C1E1635A-20C2-4CD7-91FB-34CC1A97A645}" type="presOf" srcId="{EF9B1859-9E14-4015-AC69-AB05D2469892}" destId="{025F6FB7-1A2A-4B96-8033-C2372967ABBA}" srcOrd="0" destOrd="0" presId="urn:microsoft.com/office/officeart/2005/8/layout/vList2"/>
+    <dgm:cxn modelId="{A51E76C8-FD94-4A7C-B9BE-A2D5D2B6BB0B}" type="presParOf" srcId="{025F6FB7-1A2A-4B96-8033-C2372967ABBA}" destId="{C3706F55-4F82-487B-8C8A-1DDA1586855B}" srcOrd="0" destOrd="0" presId="urn:microsoft.com/office/officeart/2005/8/layout/vList2"/>
+    <dgm:cxn modelId="{3464B754-10D5-423D-954C-7D1222B891E9}" type="presOf" srcId="{69D720BE-13DB-4ACE-AC36-F596777DE0CD}" destId="{C3706F55-4F82-487B-8C8A-1DDA1586855B}" srcOrd="0" destOrd="0" presId="urn:microsoft.com/office/officeart/2005/8/layout/vList2"/>
+    <dgm:cxn modelId="{947E2851-0922-43F7-9394-D7F0E587DE19}" type="presParOf" srcId="{025F6FB7-1A2A-4B96-8033-C2372967ABBA}" destId="{F6EA93CF-339A-422D-95BF-62C12D3FED5D}" srcOrd="1" destOrd="0" presId="urn:microsoft.com/office/officeart/2005/8/layout/vList2"/>
+    <dgm:cxn modelId="{64898C22-9EFA-4C77-BD6D-2E65CECBC66C}" type="presParOf" srcId="{025F6FB7-1A2A-4B96-8033-C2372967ABBA}" destId="{D54329CC-2893-4B61-AE96-D17C0AD0848C}" srcOrd="2" destOrd="0" presId="urn:microsoft.com/office/officeart/2005/8/layout/vList2"/>
+    <dgm:cxn modelId="{A4E6063F-9452-4D05-8364-F21B16C7049B}" type="presOf" srcId="{6A495BE0-B763-4F65-A57E-7EE2F9F3F273}" destId="{D54329CC-2893-4B61-AE96-D17C0AD0848C}" srcOrd="0" destOrd="0" presId="urn:microsoft.com/office/officeart/2005/8/layout/vList2"/>
   </dgm:cxnLst>
   <dgm:bg/>
   <dgm:whole/>
@@ -7700,7 +7713,9 @@
   <dgm:styleData>
     <dgm:dataModel>
       <dgm:ptLst>
-        <dgm:pt modelId="0" type="doc"/>
+        <dgm:pt modelId="0" type="doc">
+          <dgm:prSet qsTypeId="urn:microsoft.com/office/officeart/2005/8/quickstyle/simple5"/>
+        </dgm:pt>
         <dgm:pt modelId="1"/>
         <dgm:pt modelId="2"/>
       </dgm:ptLst>
@@ -7867,7 +7882,9 @@
   <dgm:styleData>
     <dgm:dataModel>
       <dgm:ptLst>
-        <dgm:pt modelId="0" type="doc"/>
+        <dgm:pt modelId="0" type="doc">
+          <dgm:prSet qsTypeId="urn:microsoft.com/office/officeart/2005/8/quickstyle/simple5"/>
+        </dgm:pt>
         <dgm:pt modelId="1"/>
         <dgm:pt modelId="2"/>
       </dgm:ptLst>
@@ -8034,7 +8051,9 @@
   <dgm:styleData>
     <dgm:dataModel>
       <dgm:ptLst>
-        <dgm:pt modelId="0" type="doc"/>
+        <dgm:pt modelId="0" type="doc">
+          <dgm:prSet qsTypeId="urn:microsoft.com/office/officeart/2005/8/quickstyle/simple5"/>
+        </dgm:pt>
         <dgm:pt modelId="1"/>
         <dgm:pt modelId="2"/>
       </dgm:ptLst>
@@ -8201,7 +8220,9 @@
   <dgm:styleData>
     <dgm:dataModel>
       <dgm:ptLst>
-        <dgm:pt modelId="0" type="doc"/>
+        <dgm:pt modelId="0" type="doc">
+          <dgm:prSet qsTypeId="urn:microsoft.com/office/officeart/2005/8/quickstyle/simple5"/>
+        </dgm:pt>
         <dgm:pt modelId="1"/>
         <dgm:pt modelId="2"/>
       </dgm:ptLst>
@@ -22223,7 +22244,7 @@
         <p:spPr>
           <a:xfrm>
             <a:off x="2895465" y="3118749"/>
-            <a:ext cx="8945239" cy="4355038"/>
+            <a:ext cx="8945239" cy="4342130"/>
           </a:xfrm>
           <a:prstGeom prst="rect">
             <a:avLst/>
@@ -22318,15 +22339,15 @@
                   <a:prstClr val="black"/>
                 </a:solidFill>
               </a:rPr>
-              <a:t>except [Exception1[, Exception2[,...</a:t>
+              <a:t>except </a:t>
             </a:r>
             <a:r>
-              <a:rPr lang="en-US" altLang="zh-CN" sz="2400" dirty="0" err="1">
+              <a:rPr lang="en-US" altLang="zh-CN" sz="2400">
                 <a:solidFill>
                   <a:prstClr val="black"/>
                 </a:solidFill>
               </a:rPr>
-              <a:t>ExceptionN</a:t>
+              <a:t>(Exception1, Exception2, ...)</a:t>
             </a:r>
             <a:r>
               <a:rPr lang="en-US" altLang="zh-CN" sz="2400" dirty="0">
@@ -22334,7 +22355,7 @@
                   <a:prstClr val="black"/>
                 </a:solidFill>
               </a:rPr>
-              <a:t>]]]] as e:</a:t>
+              <a:t> as e:</a:t>
             </a:r>
             <a:endParaRPr lang="zh-CN" altLang="zh-CN" sz="2400" dirty="0">
               <a:solidFill>

--- a/files/slides/lecture_8.pptx
+++ b/files/slides/lecture_8.pptx
@@ -18667,7 +18667,7 @@
         </p:nvGraphicFramePr>
         <p:xfrm>
           <a:off x="1154811" y="2384859"/>
-          <a:ext cx="11987530" cy="3980180"/>
+          <a:ext cx="11987752" cy="3980180"/>
         </p:xfrm>
         <a:graphic>
           <a:graphicData uri="http://schemas.openxmlformats.org/drawingml/2006/table">
